--- a/business/Presentation.pptx
+++ b/business/Presentation.pptx
@@ -3211,7 +3211,7 @@
         </p:nvSpPr>
         <p:spPr>
           <a:xfrm>
-            <a:off x="1228026" y="4051300"/>
+            <a:off x="1228026" y="3251959"/>
             <a:ext cx="10548748" cy="1651001"/>
           </a:xfrm>
           <a:prstGeom prst="rect">
@@ -3239,6 +3239,53 @@
             <a:pPr/>
             <a:r>
               <a:t>DEMO USE CASE</a:t>
+            </a:r>
+          </a:p>
+        </p:txBody>
+      </p:sp>
+      <p:sp>
+        <p:nvSpPr>
+          <p:cNvPr id="162" name="Shape 162"/>
+          <p:cNvSpPr/>
+          <p:nvPr/>
+        </p:nvSpPr>
+        <p:spPr>
+          <a:xfrm>
+            <a:off x="3486784" y="5785070"/>
+            <a:ext cx="6031231" cy="863601"/>
+          </a:xfrm>
+          <a:prstGeom prst="rect">
+            <a:avLst/>
+          </a:prstGeom>
+          <a:ln w="12700">
+            <a:miter lim="400000"/>
+          </a:ln>
+          <a:extLst>
+            <a:ext uri="{C572A759-6A51-4108-AA02-DFA0A04FC94B}">
+              <ma14:wrappingTextBoxFlag xmlns:ma14="http://schemas.microsoft.com/office/mac/drawingml/2011/main" val="1"/>
+            </a:ext>
+          </a:extLst>
+        </p:spPr>
+        <p:txBody>
+          <a:bodyPr wrap="none" lIns="50800" tIns="50800" rIns="50800" bIns="50800" anchor="ctr">
+            <a:spAutoFit/>
+          </a:bodyPr>
+          <a:lstStyle>
+            <a:lvl1pPr>
+              <a:defRPr sz="5000" u="sng">
+                <a:hlinkClick r:id="rId2" invalidUrl="" action="" tgtFrame="" tooltip="" history="1" highlightClick="0" endSnd="0"/>
+              </a:defRPr>
+            </a:lvl1pPr>
+          </a:lstStyle>
+          <a:p>
+            <a:pPr>
+              <a:defRPr u="none"/>
+            </a:pPr>
+            <a:r>
+              <a:rPr u="sng">
+                <a:hlinkClick r:id="rId2" invalidUrl="" action="" tgtFrame="" tooltip="" history="1" highlightClick="0" endSnd="0"/>
+              </a:rPr>
+              <a:t>http://bit.do/intellihire</a:t>
             </a:r>
           </a:p>
         </p:txBody>
@@ -3271,7 +3318,7 @@
       </p:grpSpPr>
       <p:pic>
         <p:nvPicPr>
-          <p:cNvPr id="163" name="Screen Shot 2016-04-24 at 13.03.24.png"/>
+          <p:cNvPr id="164" name="Screen Shot 2016-04-24 at 13.03.24.png"/>
           <p:cNvPicPr>
             <a:picLocks noChangeAspect="1"/>
           </p:cNvPicPr>
@@ -3331,7 +3378,7 @@
       </p:grpSpPr>
       <p:pic>
         <p:nvPicPr>
-          <p:cNvPr id="165" name="Screen Shot 2016-04-24 at 13.03.37.png"/>
+          <p:cNvPr id="166" name="Screen Shot 2016-04-24 at 13.03.37.png"/>
           <p:cNvPicPr>
             <a:picLocks noChangeAspect="1"/>
           </p:cNvPicPr>
@@ -3392,7 +3439,7 @@
       </p:grpSpPr>
       <p:pic>
         <p:nvPicPr>
-          <p:cNvPr id="167" name="Screen Shot 2016-04-24 at 13.03.43.png"/>
+          <p:cNvPr id="168" name="Screen Shot 2016-04-24 at 13.03.43.png"/>
           <p:cNvPicPr>
             <a:picLocks noChangeAspect="1"/>
           </p:cNvPicPr>
@@ -3453,7 +3500,7 @@
       </p:grpSpPr>
       <p:pic>
         <p:nvPicPr>
-          <p:cNvPr id="169" name="Screen Shot 2016-04-24 at 13.03.49.png"/>
+          <p:cNvPr id="170" name="Screen Shot 2016-04-24 at 13.03.49.png"/>
           <p:cNvPicPr>
             <a:picLocks noChangeAspect="1"/>
           </p:cNvPicPr>
@@ -3514,7 +3561,7 @@
       </p:grpSpPr>
       <p:pic>
         <p:nvPicPr>
-          <p:cNvPr id="171" name="Screen Shot 2016-04-24 at 13.03.55.png"/>
+          <p:cNvPr id="172" name="Screen Shot 2016-04-24 at 13.03.55.png"/>
           <p:cNvPicPr>
             <a:picLocks noChangeAspect="1"/>
           </p:cNvPicPr>
@@ -3575,7 +3622,7 @@
       </p:grpSpPr>
       <p:pic>
         <p:nvPicPr>
-          <p:cNvPr id="173" name="Screen Shot 2016-04-24 at 13.04.00.png"/>
+          <p:cNvPr id="174" name="Screen Shot 2016-04-24 at 13.04.00.png"/>
           <p:cNvPicPr>
             <a:picLocks noChangeAspect="1"/>
           </p:cNvPicPr>
@@ -3636,7 +3683,7 @@
       </p:grpSpPr>
       <p:pic>
         <p:nvPicPr>
-          <p:cNvPr id="175" name="Screen Shot 2016-04-24 at 13.04.06.png"/>
+          <p:cNvPr id="176" name="Screen Shot 2016-04-24 at 13.04.06.png"/>
           <p:cNvPicPr>
             <a:picLocks noChangeAspect="1"/>
           </p:cNvPicPr>
@@ -3697,7 +3744,7 @@
       </p:grpSpPr>
       <p:pic>
         <p:nvPicPr>
-          <p:cNvPr id="177" name="Screen Shot 2016-04-24 at 13.04.15.png"/>
+          <p:cNvPr id="178" name="Screen Shot 2016-04-24 at 13.04.15.png"/>
           <p:cNvPicPr>
             <a:picLocks noChangeAspect="1"/>
           </p:cNvPicPr>
@@ -5067,9 +5114,81 @@
           <a:chExt cx="0" cy="0"/>
         </a:xfrm>
       </p:grpSpPr>
+      <p:sp>
+        <p:nvSpPr>
+          <p:cNvPr id="155" name="Shape 155"/>
+          <p:cNvSpPr/>
+          <p:nvPr/>
+        </p:nvSpPr>
+        <p:spPr>
+          <a:xfrm>
+            <a:off x="3767965" y="8477683"/>
+            <a:ext cx="7067551" cy="863601"/>
+          </a:xfrm>
+          <a:prstGeom prst="rect">
+            <a:avLst/>
+          </a:prstGeom>
+          <a:ln w="12700">
+            <a:miter lim="400000"/>
+          </a:ln>
+          <a:extLst>
+            <a:ext uri="{C572A759-6A51-4108-AA02-DFA0A04FC94B}">
+              <ma14:wrappingTextBoxFlag xmlns:ma14="http://schemas.microsoft.com/office/mac/drawingml/2011/main" val="1"/>
+            </a:ext>
+          </a:extLst>
+        </p:spPr>
+        <p:txBody>
+          <a:bodyPr wrap="none" lIns="50800" tIns="50800" rIns="50800" bIns="50800" anchor="ctr">
+            <a:spAutoFit/>
+          </a:bodyPr>
+          <a:lstStyle>
+            <a:lvl1pPr>
+              <a:defRPr sz="5000"/>
+            </a:lvl1pPr>
+          </a:lstStyle>
+          <a:p>
+            <a:pPr/>
+            <a:r>
+              <a:t>Based on 17,000 Entries</a:t>
+            </a:r>
+          </a:p>
+        </p:txBody>
+      </p:sp>
+      <p:sp>
+        <p:nvSpPr>
+          <p:cNvPr id="156" name="Shape 156"/>
+          <p:cNvSpPr/>
+          <p:nvPr/>
+        </p:nvSpPr>
+        <p:spPr>
+          <a:xfrm flipV="1">
+            <a:off x="7703477" y="7356997"/>
+            <a:ext cx="1457897" cy="1007067"/>
+          </a:xfrm>
+          <a:prstGeom prst="line">
+            <a:avLst/>
+          </a:prstGeom>
+          <a:ln w="38100">
+            <a:solidFill>
+              <a:srgbClr val="000000"/>
+            </a:solidFill>
+            <a:miter lim="400000"/>
+            <a:tailEnd type="triangle"/>
+          </a:ln>
+        </p:spPr>
+        <p:txBody>
+          <a:bodyPr lIns="50800" tIns="50800" rIns="50800" bIns="50800" anchor="ctr"/>
+          <a:lstStyle/>
+          <a:p>
+            <a:pPr>
+              <a:defRPr sz="2400"/>
+            </a:pPr>
+          </a:p>
+        </p:txBody>
+      </p:sp>
       <p:pic>
         <p:nvPicPr>
-          <p:cNvPr id="155" name="Sequence_diagram.png"/>
+          <p:cNvPr id="157" name="Sequence_diagram.png"/>
           <p:cNvPicPr>
             <a:picLocks noChangeAspect="1"/>
           </p:cNvPicPr>
@@ -5079,1583 +5198,23 @@
           <a:blip r:embed="rId2">
             <a:extLst/>
           </a:blip>
-          <a:srcRect l="2242" t="3654" r="1122" b="667"/>
           <a:stretch>
             <a:fillRect/>
           </a:stretch>
         </p:blipFill>
         <p:spPr>
           <a:xfrm>
-            <a:off x="613668" y="1051539"/>
-            <a:ext cx="12153504" cy="6740089"/>
+            <a:off x="53757" y="35326"/>
+            <a:ext cx="12897286" cy="7224114"/>
           </a:xfrm>
-          <a:custGeom>
+          <a:prstGeom prst="rect">
             <a:avLst/>
-            <a:gdLst/>
-            <a:ahLst/>
-            <a:cxnLst>
-              <a:cxn ang="0">
-                <a:pos x="wd2" y="hd2"/>
-              </a:cxn>
-              <a:cxn ang="5400000">
-                <a:pos x="wd2" y="hd2"/>
-              </a:cxn>
-              <a:cxn ang="10800000">
-                <a:pos x="wd2" y="hd2"/>
-              </a:cxn>
-              <a:cxn ang="16200000">
-                <a:pos x="wd2" y="hd2"/>
-              </a:cxn>
-            </a:cxnLst>
-            <a:rect l="0" t="0" r="r" b="b"/>
-            <a:pathLst>
-              <a:path w="21600" h="21490" fill="norm" stroke="1" extrusionOk="0">
-                <a:moveTo>
-                  <a:pt x="6072" y="1"/>
-                </a:moveTo>
-                <a:cubicBezTo>
-                  <a:pt x="6035" y="15"/>
-                  <a:pt x="6017" y="163"/>
-                  <a:pt x="6017" y="444"/>
-                </a:cubicBezTo>
-                <a:lnTo>
-                  <a:pt x="6017" y="886"/>
-                </a:lnTo>
-                <a:lnTo>
-                  <a:pt x="6163" y="879"/>
-                </a:lnTo>
-                <a:cubicBezTo>
-                  <a:pt x="6284" y="873"/>
-                  <a:pt x="6309" y="844"/>
-                  <a:pt x="6309" y="708"/>
-                </a:cubicBezTo>
-                <a:cubicBezTo>
-                  <a:pt x="6309" y="534"/>
-                  <a:pt x="6403" y="345"/>
-                  <a:pt x="6448" y="427"/>
-                </a:cubicBezTo>
-                <a:cubicBezTo>
-                  <a:pt x="6463" y="455"/>
-                  <a:pt x="6476" y="573"/>
-                  <a:pt x="6476" y="689"/>
-                </a:cubicBezTo>
-                <a:cubicBezTo>
-                  <a:pt x="6476" y="993"/>
-                  <a:pt x="6547" y="952"/>
-                  <a:pt x="6568" y="636"/>
-                </a:cubicBezTo>
-                <a:cubicBezTo>
-                  <a:pt x="6588" y="323"/>
-                  <a:pt x="6547" y="249"/>
-                  <a:pt x="6352" y="241"/>
-                </a:cubicBezTo>
-                <a:cubicBezTo>
-                  <a:pt x="6272" y="238"/>
-                  <a:pt x="6186" y="185"/>
-                  <a:pt x="6159" y="120"/>
-                </a:cubicBezTo>
-                <a:cubicBezTo>
-                  <a:pt x="6123" y="32"/>
-                  <a:pt x="6095" y="-8"/>
-                  <a:pt x="6072" y="1"/>
-                </a:cubicBezTo>
-                <a:close/>
-                <a:moveTo>
-                  <a:pt x="7437" y="2"/>
-                </a:moveTo>
-                <a:cubicBezTo>
-                  <a:pt x="7327" y="2"/>
-                  <a:pt x="7312" y="29"/>
-                  <a:pt x="7312" y="215"/>
-                </a:cubicBezTo>
-                <a:cubicBezTo>
-                  <a:pt x="7312" y="511"/>
-                  <a:pt x="7264" y="563"/>
-                  <a:pt x="7180" y="362"/>
-                </a:cubicBezTo>
-                <a:cubicBezTo>
-                  <a:pt x="7116" y="209"/>
-                  <a:pt x="7094" y="200"/>
-                  <a:pt x="6982" y="276"/>
-                </a:cubicBezTo>
-                <a:cubicBezTo>
-                  <a:pt x="6871" y="351"/>
-                  <a:pt x="6849" y="342"/>
-                  <a:pt x="6793" y="201"/>
-                </a:cubicBezTo>
-                <a:cubicBezTo>
-                  <a:pt x="6730" y="43"/>
-                  <a:pt x="6728" y="42"/>
-                  <a:pt x="6665" y="186"/>
-                </a:cubicBezTo>
-                <a:cubicBezTo>
-                  <a:pt x="6622" y="283"/>
-                  <a:pt x="6615" y="356"/>
-                  <a:pt x="6643" y="406"/>
-                </a:cubicBezTo>
-                <a:cubicBezTo>
-                  <a:pt x="6666" y="447"/>
-                  <a:pt x="6685" y="572"/>
-                  <a:pt x="6685" y="683"/>
-                </a:cubicBezTo>
-                <a:cubicBezTo>
-                  <a:pt x="6685" y="879"/>
-                  <a:pt x="6692" y="885"/>
-                  <a:pt x="6913" y="874"/>
-                </a:cubicBezTo>
-                <a:cubicBezTo>
-                  <a:pt x="7087" y="866"/>
-                  <a:pt x="7156" y="828"/>
-                  <a:pt x="7204" y="713"/>
-                </a:cubicBezTo>
-                <a:cubicBezTo>
-                  <a:pt x="7268" y="564"/>
-                  <a:pt x="7268" y="564"/>
-                  <a:pt x="7293" y="720"/>
-                </a:cubicBezTo>
-                <a:cubicBezTo>
-                  <a:pt x="7310" y="832"/>
-                  <a:pt x="7352" y="875"/>
-                  <a:pt x="7440" y="875"/>
-                </a:cubicBezTo>
-                <a:cubicBezTo>
-                  <a:pt x="7561" y="875"/>
-                  <a:pt x="7562" y="872"/>
-                  <a:pt x="7562" y="439"/>
-                </a:cubicBezTo>
-                <a:cubicBezTo>
-                  <a:pt x="7562" y="3"/>
-                  <a:pt x="7561" y="2"/>
-                  <a:pt x="7437" y="2"/>
-                </a:cubicBezTo>
-                <a:close/>
-                <a:moveTo>
-                  <a:pt x="7729" y="2"/>
-                </a:moveTo>
-                <a:cubicBezTo>
-                  <a:pt x="7706" y="2"/>
-                  <a:pt x="7688" y="202"/>
-                  <a:pt x="7688" y="451"/>
-                </a:cubicBezTo>
-                <a:cubicBezTo>
-                  <a:pt x="7688" y="701"/>
-                  <a:pt x="7706" y="901"/>
-                  <a:pt x="7729" y="901"/>
-                </a:cubicBezTo>
-                <a:cubicBezTo>
-                  <a:pt x="7752" y="901"/>
-                  <a:pt x="7771" y="701"/>
-                  <a:pt x="7771" y="451"/>
-                </a:cubicBezTo>
-                <a:cubicBezTo>
-                  <a:pt x="7771" y="202"/>
-                  <a:pt x="7752" y="2"/>
-                  <a:pt x="7729" y="2"/>
-                </a:cubicBezTo>
-                <a:close/>
-                <a:moveTo>
-                  <a:pt x="7962" y="2"/>
-                </a:moveTo>
-                <a:cubicBezTo>
-                  <a:pt x="7910" y="2"/>
-                  <a:pt x="7896" y="94"/>
-                  <a:pt x="7896" y="451"/>
-                </a:cubicBezTo>
-                <a:cubicBezTo>
-                  <a:pt x="7896" y="810"/>
-                  <a:pt x="7910" y="901"/>
-                  <a:pt x="7962" y="901"/>
-                </a:cubicBezTo>
-                <a:cubicBezTo>
-                  <a:pt x="8009" y="901"/>
-                  <a:pt x="8024" y="842"/>
-                  <a:pt x="8014" y="694"/>
-                </a:cubicBezTo>
-                <a:cubicBezTo>
-                  <a:pt x="8003" y="518"/>
-                  <a:pt x="8016" y="489"/>
-                  <a:pt x="8105" y="489"/>
-                </a:cubicBezTo>
-                <a:cubicBezTo>
-                  <a:pt x="8187" y="489"/>
-                  <a:pt x="8215" y="537"/>
-                  <a:pt x="8236" y="713"/>
-                </a:cubicBezTo>
-                <a:cubicBezTo>
-                  <a:pt x="8254" y="865"/>
-                  <a:pt x="8263" y="781"/>
-                  <a:pt x="8263" y="451"/>
-                </a:cubicBezTo>
-                <a:cubicBezTo>
-                  <a:pt x="8264" y="142"/>
-                  <a:pt x="8253" y="34"/>
-                  <a:pt x="8235" y="153"/>
-                </a:cubicBezTo>
-                <a:cubicBezTo>
-                  <a:pt x="8195" y="410"/>
-                  <a:pt x="7994" y="426"/>
-                  <a:pt x="8014" y="171"/>
-                </a:cubicBezTo>
-                <a:cubicBezTo>
-                  <a:pt x="8023" y="58"/>
-                  <a:pt x="8006" y="2"/>
-                  <a:pt x="7962" y="2"/>
-                </a:cubicBezTo>
-                <a:close/>
-                <a:moveTo>
-                  <a:pt x="8440" y="2"/>
-                </a:moveTo>
-                <a:cubicBezTo>
-                  <a:pt x="8416" y="2"/>
-                  <a:pt x="8398" y="202"/>
-                  <a:pt x="8398" y="451"/>
-                </a:cubicBezTo>
-                <a:cubicBezTo>
-                  <a:pt x="8398" y="701"/>
-                  <a:pt x="8416" y="901"/>
-                  <a:pt x="8440" y="901"/>
-                </a:cubicBezTo>
-                <a:cubicBezTo>
-                  <a:pt x="8463" y="901"/>
-                  <a:pt x="8481" y="701"/>
-                  <a:pt x="8481" y="451"/>
-                </a:cubicBezTo>
-                <a:cubicBezTo>
-                  <a:pt x="8481" y="202"/>
-                  <a:pt x="8463" y="2"/>
-                  <a:pt x="8440" y="2"/>
-                </a:cubicBezTo>
-                <a:close/>
-                <a:moveTo>
-                  <a:pt x="12993" y="2"/>
-                </a:moveTo>
-                <a:lnTo>
-                  <a:pt x="12993" y="451"/>
-                </a:lnTo>
-                <a:cubicBezTo>
-                  <a:pt x="12993" y="868"/>
-                  <a:pt x="13001" y="900"/>
-                  <a:pt x="13088" y="899"/>
-                </a:cubicBezTo>
-                <a:cubicBezTo>
-                  <a:pt x="13258" y="898"/>
-                  <a:pt x="13362" y="814"/>
-                  <a:pt x="13384" y="662"/>
-                </a:cubicBezTo>
-                <a:cubicBezTo>
-                  <a:pt x="13411" y="477"/>
-                  <a:pt x="13495" y="553"/>
-                  <a:pt x="13495" y="761"/>
-                </a:cubicBezTo>
-                <a:cubicBezTo>
-                  <a:pt x="13495" y="849"/>
-                  <a:pt x="13517" y="900"/>
-                  <a:pt x="13547" y="882"/>
-                </a:cubicBezTo>
-                <a:cubicBezTo>
-                  <a:pt x="13576" y="865"/>
-                  <a:pt x="13597" y="812"/>
-                  <a:pt x="13595" y="764"/>
-                </a:cubicBezTo>
-                <a:cubicBezTo>
-                  <a:pt x="13593" y="716"/>
-                  <a:pt x="13588" y="524"/>
-                  <a:pt x="13584" y="339"/>
-                </a:cubicBezTo>
-                <a:cubicBezTo>
-                  <a:pt x="13578" y="-18"/>
-                  <a:pt x="13521" y="-110"/>
-                  <a:pt x="13480" y="169"/>
-                </a:cubicBezTo>
-                <a:lnTo>
-                  <a:pt x="13456" y="336"/>
-                </a:lnTo>
-                <a:lnTo>
-                  <a:pt x="13369" y="169"/>
-                </a:lnTo>
-                <a:cubicBezTo>
-                  <a:pt x="13312" y="59"/>
-                  <a:pt x="13234" y="2"/>
-                  <a:pt x="13138" y="2"/>
-                </a:cubicBezTo>
-                <a:lnTo>
-                  <a:pt x="12993" y="2"/>
-                </a:lnTo>
-                <a:close/>
-                <a:moveTo>
-                  <a:pt x="9628" y="12"/>
-                </a:moveTo>
-                <a:cubicBezTo>
-                  <a:pt x="9596" y="11"/>
-                  <a:pt x="9561" y="19"/>
-                  <a:pt x="9529" y="38"/>
-                </a:cubicBezTo>
-                <a:cubicBezTo>
-                  <a:pt x="9423" y="98"/>
-                  <a:pt x="9416" y="289"/>
-                  <a:pt x="9515" y="420"/>
-                </a:cubicBezTo>
-                <a:cubicBezTo>
-                  <a:pt x="9585" y="512"/>
-                  <a:pt x="9585" y="518"/>
-                  <a:pt x="9515" y="567"/>
-                </a:cubicBezTo>
-                <a:cubicBezTo>
-                  <a:pt x="9475" y="595"/>
-                  <a:pt x="9443" y="663"/>
-                  <a:pt x="9443" y="720"/>
-                </a:cubicBezTo>
-                <a:cubicBezTo>
-                  <a:pt x="9443" y="862"/>
-                  <a:pt x="9637" y="937"/>
-                  <a:pt x="9756" y="840"/>
-                </a:cubicBezTo>
-                <a:cubicBezTo>
-                  <a:pt x="9827" y="782"/>
-                  <a:pt x="9890" y="784"/>
-                  <a:pt x="9985" y="849"/>
-                </a:cubicBezTo>
-                <a:cubicBezTo>
-                  <a:pt x="10104" y="930"/>
-                  <a:pt x="10123" y="921"/>
-                  <a:pt x="10192" y="758"/>
-                </a:cubicBezTo>
-                <a:lnTo>
-                  <a:pt x="10268" y="577"/>
-                </a:lnTo>
-                <a:lnTo>
-                  <a:pt x="10318" y="746"/>
-                </a:lnTo>
-                <a:cubicBezTo>
-                  <a:pt x="10353" y="864"/>
-                  <a:pt x="10394" y="903"/>
-                  <a:pt x="10453" y="875"/>
-                </a:cubicBezTo>
-                <a:cubicBezTo>
-                  <a:pt x="10513" y="847"/>
-                  <a:pt x="10544" y="878"/>
-                  <a:pt x="10559" y="980"/>
-                </a:cubicBezTo>
-                <a:cubicBezTo>
-                  <a:pt x="10596" y="1231"/>
-                  <a:pt x="10612" y="1141"/>
-                  <a:pt x="10612" y="688"/>
-                </a:cubicBezTo>
-                <a:cubicBezTo>
-                  <a:pt x="10612" y="253"/>
-                  <a:pt x="10611" y="250"/>
-                  <a:pt x="10486" y="244"/>
-                </a:cubicBezTo>
-                <a:cubicBezTo>
-                  <a:pt x="10401" y="240"/>
-                  <a:pt x="10347" y="286"/>
-                  <a:pt x="10316" y="389"/>
-                </a:cubicBezTo>
-                <a:lnTo>
-                  <a:pt x="10271" y="541"/>
-                </a:lnTo>
-                <a:lnTo>
-                  <a:pt x="10189" y="384"/>
-                </a:lnTo>
-                <a:cubicBezTo>
-                  <a:pt x="10096" y="206"/>
-                  <a:pt x="10056" y="193"/>
-                  <a:pt x="9938" y="307"/>
-                </a:cubicBezTo>
-                <a:cubicBezTo>
-                  <a:pt x="9868" y="374"/>
-                  <a:pt x="9850" y="362"/>
-                  <a:pt x="9831" y="231"/>
-                </a:cubicBezTo>
-                <a:cubicBezTo>
-                  <a:pt x="9812" y="100"/>
-                  <a:pt x="9726" y="15"/>
-                  <a:pt x="9628" y="12"/>
-                </a:cubicBezTo>
-                <a:close/>
-                <a:moveTo>
-                  <a:pt x="10821" y="227"/>
-                </a:moveTo>
-                <a:cubicBezTo>
-                  <a:pt x="10776" y="227"/>
-                  <a:pt x="10762" y="771"/>
-                  <a:pt x="10804" y="846"/>
-                </a:cubicBezTo>
-                <a:cubicBezTo>
-                  <a:pt x="10818" y="871"/>
-                  <a:pt x="10882" y="888"/>
-                  <a:pt x="10947" y="884"/>
-                </a:cubicBezTo>
-                <a:cubicBezTo>
-                  <a:pt x="11030" y="880"/>
-                  <a:pt x="11072" y="831"/>
-                  <a:pt x="11090" y="721"/>
-                </a:cubicBezTo>
-                <a:cubicBezTo>
-                  <a:pt x="11113" y="567"/>
-                  <a:pt x="11115" y="567"/>
-                  <a:pt x="11195" y="750"/>
-                </a:cubicBezTo>
-                <a:cubicBezTo>
-                  <a:pt x="11268" y="919"/>
-                  <a:pt x="11288" y="930"/>
-                  <a:pt x="11403" y="851"/>
-                </a:cubicBezTo>
-                <a:cubicBezTo>
-                  <a:pt x="11478" y="801"/>
-                  <a:pt x="11541" y="793"/>
-                  <a:pt x="11554" y="832"/>
-                </a:cubicBezTo>
-                <a:cubicBezTo>
-                  <a:pt x="11602" y="972"/>
-                  <a:pt x="11652" y="894"/>
-                  <a:pt x="11664" y="658"/>
-                </a:cubicBezTo>
-                <a:cubicBezTo>
-                  <a:pt x="11673" y="502"/>
-                  <a:pt x="11700" y="415"/>
-                  <a:pt x="11740" y="415"/>
-                </a:cubicBezTo>
-                <a:cubicBezTo>
-                  <a:pt x="11780" y="415"/>
-                  <a:pt x="11808" y="502"/>
-                  <a:pt x="11816" y="658"/>
-                </a:cubicBezTo>
-                <a:cubicBezTo>
-                  <a:pt x="11829" y="894"/>
-                  <a:pt x="11878" y="972"/>
-                  <a:pt x="11926" y="832"/>
-                </a:cubicBezTo>
-                <a:cubicBezTo>
-                  <a:pt x="11940" y="792"/>
-                  <a:pt x="12001" y="799"/>
-                  <a:pt x="12073" y="848"/>
-                </a:cubicBezTo>
-                <a:cubicBezTo>
-                  <a:pt x="12175" y="916"/>
-                  <a:pt x="12209" y="909"/>
-                  <a:pt x="12275" y="802"/>
-                </a:cubicBezTo>
-                <a:cubicBezTo>
-                  <a:pt x="12346" y="687"/>
-                  <a:pt x="12361" y="685"/>
-                  <a:pt x="12408" y="787"/>
-                </a:cubicBezTo>
-                <a:cubicBezTo>
-                  <a:pt x="12541" y="1075"/>
-                  <a:pt x="12754" y="758"/>
-                  <a:pt x="12665" y="405"/>
-                </a:cubicBezTo>
-                <a:cubicBezTo>
-                  <a:pt x="12613" y="203"/>
-                  <a:pt x="12486" y="172"/>
-                  <a:pt x="12408" y="341"/>
-                </a:cubicBezTo>
-                <a:cubicBezTo>
-                  <a:pt x="12361" y="443"/>
-                  <a:pt x="12346" y="441"/>
-                  <a:pt x="12275" y="326"/>
-                </a:cubicBezTo>
-                <a:cubicBezTo>
-                  <a:pt x="12208" y="217"/>
-                  <a:pt x="12176" y="211"/>
-                  <a:pt x="12065" y="286"/>
-                </a:cubicBezTo>
-                <a:cubicBezTo>
-                  <a:pt x="11985" y="340"/>
-                  <a:pt x="11916" y="347"/>
-                  <a:pt x="11888" y="305"/>
-                </a:cubicBezTo>
-                <a:cubicBezTo>
-                  <a:pt x="11863" y="267"/>
-                  <a:pt x="11783" y="239"/>
-                  <a:pt x="11711" y="243"/>
-                </a:cubicBezTo>
-                <a:cubicBezTo>
-                  <a:pt x="11615" y="248"/>
-                  <a:pt x="11572" y="293"/>
-                  <a:pt x="11554" y="407"/>
-                </a:cubicBezTo>
-                <a:lnTo>
-                  <a:pt x="11528" y="564"/>
-                </a:lnTo>
-                <a:lnTo>
-                  <a:pt x="11462" y="396"/>
-                </a:lnTo>
-                <a:cubicBezTo>
-                  <a:pt x="11378" y="181"/>
-                  <a:pt x="11266" y="181"/>
-                  <a:pt x="11185" y="396"/>
-                </a:cubicBezTo>
-                <a:lnTo>
-                  <a:pt x="11121" y="564"/>
-                </a:lnTo>
-                <a:lnTo>
-                  <a:pt x="11078" y="377"/>
-                </a:lnTo>
-                <a:cubicBezTo>
-                  <a:pt x="11036" y="191"/>
-                  <a:pt x="11035" y="191"/>
-                  <a:pt x="11032" y="424"/>
-                </a:cubicBezTo>
-                <a:cubicBezTo>
-                  <a:pt x="11030" y="656"/>
-                  <a:pt x="10943" y="870"/>
-                  <a:pt x="10890" y="775"/>
-                </a:cubicBezTo>
-                <a:cubicBezTo>
-                  <a:pt x="10875" y="748"/>
-                  <a:pt x="10862" y="614"/>
-                  <a:pt x="10862" y="477"/>
-                </a:cubicBezTo>
-                <a:cubicBezTo>
-                  <a:pt x="10862" y="340"/>
-                  <a:pt x="10844" y="227"/>
-                  <a:pt x="10821" y="227"/>
-                </a:cubicBezTo>
-                <a:close/>
-                <a:moveTo>
-                  <a:pt x="14982" y="234"/>
-                </a:moveTo>
-                <a:cubicBezTo>
-                  <a:pt x="14898" y="207"/>
-                  <a:pt x="14810" y="289"/>
-                  <a:pt x="14806" y="435"/>
-                </a:cubicBezTo>
-                <a:cubicBezTo>
-                  <a:pt x="14803" y="529"/>
-                  <a:pt x="14789" y="627"/>
-                  <a:pt x="14775" y="653"/>
-                </a:cubicBezTo>
-                <a:cubicBezTo>
-                  <a:pt x="14761" y="678"/>
-                  <a:pt x="14768" y="740"/>
-                  <a:pt x="14791" y="789"/>
-                </a:cubicBezTo>
-                <a:cubicBezTo>
-                  <a:pt x="14813" y="839"/>
-                  <a:pt x="14925" y="878"/>
-                  <a:pt x="15039" y="877"/>
-                </a:cubicBezTo>
-                <a:cubicBezTo>
-                  <a:pt x="15239" y="874"/>
-                  <a:pt x="15246" y="865"/>
-                  <a:pt x="15258" y="644"/>
-                </a:cubicBezTo>
-                <a:cubicBezTo>
-                  <a:pt x="15276" y="325"/>
-                  <a:pt x="15392" y="336"/>
-                  <a:pt x="15409" y="658"/>
-                </a:cubicBezTo>
-                <a:cubicBezTo>
-                  <a:pt x="15416" y="792"/>
-                  <a:pt x="15438" y="901"/>
-                  <a:pt x="15458" y="901"/>
-                </a:cubicBezTo>
-                <a:cubicBezTo>
-                  <a:pt x="15479" y="901"/>
-                  <a:pt x="15501" y="792"/>
-                  <a:pt x="15508" y="658"/>
-                </a:cubicBezTo>
-                <a:cubicBezTo>
-                  <a:pt x="15515" y="524"/>
-                  <a:pt x="15540" y="415"/>
-                  <a:pt x="15563" y="415"/>
-                </a:cubicBezTo>
-                <a:cubicBezTo>
-                  <a:pt x="15586" y="415"/>
-                  <a:pt x="15611" y="524"/>
-                  <a:pt x="15618" y="658"/>
-                </a:cubicBezTo>
-                <a:cubicBezTo>
-                  <a:pt x="15638" y="1023"/>
-                  <a:pt x="15716" y="952"/>
-                  <a:pt x="15701" y="583"/>
-                </a:cubicBezTo>
-                <a:lnTo>
-                  <a:pt x="15688" y="264"/>
-                </a:lnTo>
-                <a:lnTo>
-                  <a:pt x="15430" y="245"/>
-                </a:lnTo>
-                <a:cubicBezTo>
-                  <a:pt x="15281" y="234"/>
-                  <a:pt x="15161" y="259"/>
-                  <a:pt x="15145" y="305"/>
-                </a:cubicBezTo>
-                <a:cubicBezTo>
-                  <a:pt x="15125" y="360"/>
-                  <a:pt x="15100" y="359"/>
-                  <a:pt x="15060" y="300"/>
-                </a:cubicBezTo>
-                <a:cubicBezTo>
-                  <a:pt x="15036" y="264"/>
-                  <a:pt x="15010" y="243"/>
-                  <a:pt x="14982" y="234"/>
-                </a:cubicBezTo>
-                <a:close/>
-                <a:moveTo>
-                  <a:pt x="8784" y="241"/>
-                </a:moveTo>
-                <a:lnTo>
-                  <a:pt x="8607" y="244"/>
-                </a:lnTo>
-                <a:lnTo>
-                  <a:pt x="8607" y="573"/>
-                </a:lnTo>
-                <a:cubicBezTo>
-                  <a:pt x="8607" y="754"/>
-                  <a:pt x="8625" y="901"/>
-                  <a:pt x="8648" y="901"/>
-                </a:cubicBezTo>
-                <a:cubicBezTo>
-                  <a:pt x="8671" y="901"/>
-                  <a:pt x="8690" y="802"/>
-                  <a:pt x="8690" y="681"/>
-                </a:cubicBezTo>
-                <a:cubicBezTo>
-                  <a:pt x="8690" y="356"/>
-                  <a:pt x="8763" y="333"/>
-                  <a:pt x="8833" y="636"/>
-                </a:cubicBezTo>
-                <a:cubicBezTo>
-                  <a:pt x="8867" y="782"/>
-                  <a:pt x="8923" y="901"/>
-                  <a:pt x="8957" y="901"/>
-                </a:cubicBezTo>
-                <a:cubicBezTo>
-                  <a:pt x="9097" y="901"/>
-                  <a:pt x="9150" y="807"/>
-                  <a:pt x="9150" y="558"/>
-                </a:cubicBezTo>
-                <a:cubicBezTo>
-                  <a:pt x="9150" y="276"/>
-                  <a:pt x="9104" y="236"/>
-                  <a:pt x="8784" y="241"/>
-                </a:cubicBezTo>
-                <a:close/>
-                <a:moveTo>
-                  <a:pt x="14594" y="258"/>
-                </a:moveTo>
-                <a:cubicBezTo>
-                  <a:pt x="14543" y="257"/>
-                  <a:pt x="14476" y="261"/>
-                  <a:pt x="14393" y="269"/>
-                </a:cubicBezTo>
-                <a:cubicBezTo>
-                  <a:pt x="14008" y="307"/>
-                  <a:pt x="13996" y="307"/>
-                  <a:pt x="13850" y="284"/>
-                </a:cubicBezTo>
-                <a:cubicBezTo>
-                  <a:pt x="13752" y="269"/>
-                  <a:pt x="13723" y="297"/>
-                  <a:pt x="13716" y="415"/>
-                </a:cubicBezTo>
-                <a:cubicBezTo>
-                  <a:pt x="13711" y="497"/>
-                  <a:pt x="13702" y="631"/>
-                  <a:pt x="13695" y="713"/>
-                </a:cubicBezTo>
-                <a:cubicBezTo>
-                  <a:pt x="13685" y="840"/>
-                  <a:pt x="13708" y="866"/>
-                  <a:pt x="13850" y="875"/>
-                </a:cubicBezTo>
-                <a:cubicBezTo>
-                  <a:pt x="13951" y="882"/>
-                  <a:pt x="14033" y="933"/>
-                  <a:pt x="14058" y="1006"/>
-                </a:cubicBezTo>
-                <a:cubicBezTo>
-                  <a:pt x="14120" y="1180"/>
-                  <a:pt x="14358" y="1163"/>
-                  <a:pt x="14413" y="979"/>
-                </a:cubicBezTo>
-                <a:cubicBezTo>
-                  <a:pt x="14439" y="893"/>
-                  <a:pt x="14483" y="849"/>
-                  <a:pt x="14519" y="874"/>
-                </a:cubicBezTo>
-                <a:cubicBezTo>
-                  <a:pt x="14564" y="905"/>
-                  <a:pt x="14581" y="864"/>
-                  <a:pt x="14581" y="726"/>
-                </a:cubicBezTo>
-                <a:cubicBezTo>
-                  <a:pt x="14581" y="618"/>
-                  <a:pt x="14619" y="488"/>
-                  <a:pt x="14668" y="426"/>
-                </a:cubicBezTo>
-                <a:cubicBezTo>
-                  <a:pt x="14760" y="311"/>
-                  <a:pt x="14748" y="261"/>
-                  <a:pt x="14594" y="258"/>
-                </a:cubicBezTo>
-                <a:close/>
-                <a:moveTo>
-                  <a:pt x="0" y="2323"/>
-                </a:moveTo>
-                <a:lnTo>
-                  <a:pt x="0" y="3744"/>
-                </a:lnTo>
-                <a:lnTo>
-                  <a:pt x="0" y="5165"/>
-                </a:lnTo>
-                <a:lnTo>
-                  <a:pt x="888" y="5187"/>
-                </a:lnTo>
-                <a:cubicBezTo>
-                  <a:pt x="1376" y="5198"/>
-                  <a:pt x="1800" y="5199"/>
-                  <a:pt x="1831" y="5188"/>
-                </a:cubicBezTo>
-                <a:cubicBezTo>
-                  <a:pt x="1862" y="5177"/>
-                  <a:pt x="2252" y="5169"/>
-                  <a:pt x="2698" y="5169"/>
-                </a:cubicBezTo>
-                <a:lnTo>
-                  <a:pt x="3510" y="5169"/>
-                </a:lnTo>
-                <a:lnTo>
-                  <a:pt x="3510" y="3747"/>
-                </a:lnTo>
-                <a:lnTo>
-                  <a:pt x="3510" y="2323"/>
-                </a:lnTo>
-                <a:lnTo>
-                  <a:pt x="1755" y="2323"/>
-                </a:lnTo>
-                <a:lnTo>
-                  <a:pt x="0" y="2323"/>
-                </a:lnTo>
-                <a:close/>
-                <a:moveTo>
-                  <a:pt x="5682" y="2323"/>
-                </a:moveTo>
-                <a:lnTo>
-                  <a:pt x="5682" y="3745"/>
-                </a:lnTo>
-                <a:lnTo>
-                  <a:pt x="5682" y="5166"/>
-                </a:lnTo>
-                <a:lnTo>
-                  <a:pt x="7092" y="5187"/>
-                </a:lnTo>
-                <a:cubicBezTo>
-                  <a:pt x="7868" y="5198"/>
-                  <a:pt x="8527" y="5198"/>
-                  <a:pt x="8558" y="5188"/>
-                </a:cubicBezTo>
-                <a:cubicBezTo>
-                  <a:pt x="8589" y="5177"/>
-                  <a:pt x="9232" y="5169"/>
-                  <a:pt x="9988" y="5169"/>
-                </a:cubicBezTo>
-                <a:lnTo>
-                  <a:pt x="11364" y="5169"/>
-                </a:lnTo>
-                <a:lnTo>
-                  <a:pt x="11364" y="3747"/>
-                </a:lnTo>
-                <a:lnTo>
-                  <a:pt x="11364" y="2323"/>
-                </a:lnTo>
-                <a:lnTo>
-                  <a:pt x="8523" y="2323"/>
-                </a:lnTo>
-                <a:lnTo>
-                  <a:pt x="5682" y="2323"/>
-                </a:lnTo>
-                <a:close/>
-                <a:moveTo>
-                  <a:pt x="11698" y="2323"/>
-                </a:moveTo>
-                <a:lnTo>
-                  <a:pt x="11698" y="3745"/>
-                </a:lnTo>
-                <a:lnTo>
-                  <a:pt x="11698" y="5168"/>
-                </a:lnTo>
-                <a:lnTo>
-                  <a:pt x="14174" y="5187"/>
-                </a:lnTo>
-                <a:cubicBezTo>
-                  <a:pt x="15536" y="5197"/>
-                  <a:pt x="16674" y="5198"/>
-                  <a:pt x="16705" y="5188"/>
-                </a:cubicBezTo>
-                <a:cubicBezTo>
-                  <a:pt x="16735" y="5178"/>
-                  <a:pt x="17850" y="5169"/>
-                  <a:pt x="19181" y="5169"/>
-                </a:cubicBezTo>
-                <a:lnTo>
-                  <a:pt x="21600" y="5169"/>
-                </a:lnTo>
-                <a:lnTo>
-                  <a:pt x="21600" y="3747"/>
-                </a:lnTo>
-                <a:lnTo>
-                  <a:pt x="21600" y="2323"/>
-                </a:lnTo>
-                <a:lnTo>
-                  <a:pt x="16649" y="2323"/>
-                </a:lnTo>
-                <a:lnTo>
-                  <a:pt x="11698" y="2323"/>
-                </a:lnTo>
-                <a:close/>
-                <a:moveTo>
-                  <a:pt x="5175" y="6151"/>
-                </a:moveTo>
-                <a:cubicBezTo>
-                  <a:pt x="5173" y="6149"/>
-                  <a:pt x="5162" y="6191"/>
-                  <a:pt x="5141" y="6277"/>
-                </a:cubicBezTo>
-                <a:cubicBezTo>
-                  <a:pt x="5095" y="6462"/>
-                  <a:pt x="5014" y="6437"/>
-                  <a:pt x="5014" y="6238"/>
-                </a:cubicBezTo>
-                <a:cubicBezTo>
-                  <a:pt x="5014" y="6130"/>
-                  <a:pt x="5006" y="6131"/>
-                  <a:pt x="4937" y="6243"/>
-                </a:cubicBezTo>
-                <a:cubicBezTo>
-                  <a:pt x="4895" y="6311"/>
-                  <a:pt x="4848" y="6344"/>
-                  <a:pt x="4832" y="6317"/>
-                </a:cubicBezTo>
-                <a:cubicBezTo>
-                  <a:pt x="4797" y="6254"/>
-                  <a:pt x="4796" y="6389"/>
-                  <a:pt x="4830" y="6547"/>
-                </a:cubicBezTo>
-                <a:cubicBezTo>
-                  <a:pt x="4866" y="6712"/>
-                  <a:pt x="4916" y="6695"/>
-                  <a:pt x="4943" y="6509"/>
-                </a:cubicBezTo>
-                <a:cubicBezTo>
-                  <a:pt x="4968" y="6340"/>
-                  <a:pt x="5055" y="6379"/>
-                  <a:pt x="5055" y="6558"/>
-                </a:cubicBezTo>
-                <a:cubicBezTo>
-                  <a:pt x="5055" y="6618"/>
-                  <a:pt x="5074" y="6666"/>
-                  <a:pt x="5097" y="6666"/>
-                </a:cubicBezTo>
-                <a:cubicBezTo>
-                  <a:pt x="5120" y="6666"/>
-                  <a:pt x="5139" y="6624"/>
-                  <a:pt x="5139" y="6572"/>
-                </a:cubicBezTo>
-                <a:cubicBezTo>
-                  <a:pt x="5140" y="6521"/>
-                  <a:pt x="5150" y="6394"/>
-                  <a:pt x="5162" y="6291"/>
-                </a:cubicBezTo>
-                <a:cubicBezTo>
-                  <a:pt x="5172" y="6198"/>
-                  <a:pt x="5178" y="6153"/>
-                  <a:pt x="5175" y="6151"/>
-                </a:cubicBezTo>
-                <a:close/>
-                <a:moveTo>
-                  <a:pt x="4054" y="6156"/>
-                </a:moveTo>
-                <a:cubicBezTo>
-                  <a:pt x="3986" y="6153"/>
-                  <a:pt x="3927" y="6259"/>
-                  <a:pt x="3927" y="6441"/>
-                </a:cubicBezTo>
-                <a:cubicBezTo>
-                  <a:pt x="3927" y="6558"/>
-                  <a:pt x="3951" y="6671"/>
-                  <a:pt x="3980" y="6692"/>
-                </a:cubicBezTo>
-                <a:cubicBezTo>
-                  <a:pt x="4008" y="6714"/>
-                  <a:pt x="4069" y="6715"/>
-                  <a:pt x="4115" y="6694"/>
-                </a:cubicBezTo>
-                <a:cubicBezTo>
-                  <a:pt x="4209" y="6650"/>
-                  <a:pt x="4246" y="6649"/>
-                  <a:pt x="4366" y="6681"/>
-                </a:cubicBezTo>
-                <a:cubicBezTo>
-                  <a:pt x="4426" y="6697"/>
-                  <a:pt x="4453" y="6655"/>
-                  <a:pt x="4463" y="6534"/>
-                </a:cubicBezTo>
-                <a:cubicBezTo>
-                  <a:pt x="4478" y="6340"/>
-                  <a:pt x="4366" y="6224"/>
-                  <a:pt x="4291" y="6358"/>
-                </a:cubicBezTo>
-                <a:cubicBezTo>
-                  <a:pt x="4255" y="6424"/>
-                  <a:pt x="4226" y="6407"/>
-                  <a:pt x="4175" y="6285"/>
-                </a:cubicBezTo>
-                <a:cubicBezTo>
-                  <a:pt x="4139" y="6199"/>
-                  <a:pt x="4095" y="6158"/>
-                  <a:pt x="4054" y="6156"/>
-                </a:cubicBezTo>
-                <a:close/>
-                <a:moveTo>
-                  <a:pt x="4596" y="6217"/>
-                </a:moveTo>
-                <a:cubicBezTo>
-                  <a:pt x="4573" y="6217"/>
-                  <a:pt x="4554" y="6267"/>
-                  <a:pt x="4554" y="6329"/>
-                </a:cubicBezTo>
-                <a:cubicBezTo>
-                  <a:pt x="4554" y="6391"/>
-                  <a:pt x="4573" y="6442"/>
-                  <a:pt x="4596" y="6442"/>
-                </a:cubicBezTo>
-                <a:cubicBezTo>
-                  <a:pt x="4619" y="6442"/>
-                  <a:pt x="4638" y="6391"/>
-                  <a:pt x="4638" y="6329"/>
-                </a:cubicBezTo>
-                <a:cubicBezTo>
-                  <a:pt x="4638" y="6267"/>
-                  <a:pt x="4619" y="6217"/>
-                  <a:pt x="4596" y="6217"/>
-                </a:cubicBezTo>
-                <a:close/>
-                <a:moveTo>
-                  <a:pt x="6147" y="6224"/>
-                </a:moveTo>
-                <a:cubicBezTo>
-                  <a:pt x="6114" y="6212"/>
-                  <a:pt x="6112" y="6281"/>
-                  <a:pt x="6129" y="6479"/>
-                </a:cubicBezTo>
-                <a:cubicBezTo>
-                  <a:pt x="6145" y="6674"/>
-                  <a:pt x="6165" y="6704"/>
-                  <a:pt x="6280" y="6704"/>
-                </a:cubicBezTo>
-                <a:cubicBezTo>
-                  <a:pt x="6395" y="6704"/>
-                  <a:pt x="6415" y="6674"/>
-                  <a:pt x="6426" y="6491"/>
-                </a:cubicBezTo>
-                <a:cubicBezTo>
-                  <a:pt x="6438" y="6307"/>
-                  <a:pt x="6427" y="6282"/>
-                  <a:pt x="6343" y="6301"/>
-                </a:cubicBezTo>
-                <a:cubicBezTo>
-                  <a:pt x="6290" y="6314"/>
-                  <a:pt x="6221" y="6297"/>
-                  <a:pt x="6191" y="6263"/>
-                </a:cubicBezTo>
-                <a:cubicBezTo>
-                  <a:pt x="6172" y="6243"/>
-                  <a:pt x="6158" y="6228"/>
-                  <a:pt x="6147" y="6224"/>
-                </a:cubicBezTo>
-                <a:close/>
-                <a:moveTo>
-                  <a:pt x="6032" y="6246"/>
-                </a:moveTo>
-                <a:cubicBezTo>
-                  <a:pt x="6026" y="6246"/>
-                  <a:pt x="6018" y="6253"/>
-                  <a:pt x="6007" y="6265"/>
-                </a:cubicBezTo>
-                <a:cubicBezTo>
-                  <a:pt x="5978" y="6298"/>
-                  <a:pt x="5922" y="6316"/>
-                  <a:pt x="5884" y="6305"/>
-                </a:cubicBezTo>
-                <a:cubicBezTo>
-                  <a:pt x="5846" y="6294"/>
-                  <a:pt x="5803" y="6318"/>
-                  <a:pt x="5790" y="6358"/>
-                </a:cubicBezTo>
-                <a:cubicBezTo>
-                  <a:pt x="5774" y="6404"/>
-                  <a:pt x="5722" y="6392"/>
-                  <a:pt x="5653" y="6328"/>
-                </a:cubicBezTo>
-                <a:cubicBezTo>
-                  <a:pt x="5592" y="6271"/>
-                  <a:pt x="5521" y="6247"/>
-                  <a:pt x="5497" y="6275"/>
-                </a:cubicBezTo>
-                <a:cubicBezTo>
-                  <a:pt x="5472" y="6303"/>
-                  <a:pt x="5419" y="6316"/>
-                  <a:pt x="5379" y="6304"/>
-                </a:cubicBezTo>
-                <a:cubicBezTo>
-                  <a:pt x="5301" y="6281"/>
-                  <a:pt x="5242" y="6455"/>
-                  <a:pt x="5275" y="6611"/>
-                </a:cubicBezTo>
-                <a:cubicBezTo>
-                  <a:pt x="5290" y="6678"/>
-                  <a:pt x="5396" y="6704"/>
-                  <a:pt x="5636" y="6697"/>
-                </a:cubicBezTo>
-                <a:cubicBezTo>
-                  <a:pt x="5823" y="6693"/>
-                  <a:pt x="5983" y="6675"/>
-                  <a:pt x="5991" y="6658"/>
-                </a:cubicBezTo>
-                <a:cubicBezTo>
-                  <a:pt x="5998" y="6642"/>
-                  <a:pt x="6017" y="6533"/>
-                  <a:pt x="6033" y="6417"/>
-                </a:cubicBezTo>
-                <a:cubicBezTo>
-                  <a:pt x="6049" y="6294"/>
-                  <a:pt x="6050" y="6244"/>
-                  <a:pt x="6032" y="6246"/>
-                </a:cubicBezTo>
-                <a:close/>
-                <a:moveTo>
-                  <a:pt x="8251" y="6428"/>
-                </a:moveTo>
-                <a:lnTo>
-                  <a:pt x="8231" y="6677"/>
-                </a:lnTo>
-                <a:lnTo>
-                  <a:pt x="8210" y="6928"/>
-                </a:lnTo>
-                <a:lnTo>
-                  <a:pt x="5003" y="6928"/>
-                </a:lnTo>
-                <a:lnTo>
-                  <a:pt x="1797" y="6928"/>
-                </a:lnTo>
-                <a:lnTo>
-                  <a:pt x="1797" y="7925"/>
-                </a:lnTo>
-                <a:cubicBezTo>
-                  <a:pt x="1797" y="8473"/>
-                  <a:pt x="1813" y="8903"/>
-                  <a:pt x="1833" y="8882"/>
-                </a:cubicBezTo>
-                <a:cubicBezTo>
-                  <a:pt x="1852" y="8860"/>
-                  <a:pt x="1913" y="8928"/>
-                  <a:pt x="1968" y="9033"/>
-                </a:cubicBezTo>
-                <a:lnTo>
-                  <a:pt x="2068" y="9224"/>
-                </a:lnTo>
-                <a:lnTo>
-                  <a:pt x="2089" y="9012"/>
-                </a:lnTo>
-                <a:lnTo>
-                  <a:pt x="2110" y="8799"/>
-                </a:lnTo>
-                <a:lnTo>
-                  <a:pt x="5317" y="8799"/>
-                </a:lnTo>
-                <a:lnTo>
-                  <a:pt x="8523" y="8799"/>
-                </a:lnTo>
-                <a:lnTo>
-                  <a:pt x="8523" y="7765"/>
-                </a:lnTo>
-                <a:cubicBezTo>
-                  <a:pt x="8523" y="7197"/>
-                  <a:pt x="8507" y="6749"/>
-                  <a:pt x="8488" y="6771"/>
-                </a:cubicBezTo>
-                <a:cubicBezTo>
-                  <a:pt x="8468" y="6793"/>
-                  <a:pt x="8406" y="6724"/>
-                  <a:pt x="8351" y="6619"/>
-                </a:cubicBezTo>
-                <a:lnTo>
-                  <a:pt x="8251" y="6428"/>
-                </a:lnTo>
-                <a:close/>
-                <a:moveTo>
-                  <a:pt x="2131" y="9586"/>
-                </a:moveTo>
-                <a:lnTo>
-                  <a:pt x="2131" y="10522"/>
-                </a:lnTo>
-                <a:lnTo>
-                  <a:pt x="2131" y="11458"/>
-                </a:lnTo>
-                <a:lnTo>
-                  <a:pt x="5160" y="11458"/>
-                </a:lnTo>
-                <a:lnTo>
-                  <a:pt x="8189" y="11458"/>
-                </a:lnTo>
-                <a:lnTo>
-                  <a:pt x="8189" y="10806"/>
-                </a:lnTo>
-                <a:cubicBezTo>
-                  <a:pt x="8189" y="10155"/>
-                  <a:pt x="8188" y="10153"/>
-                  <a:pt x="8034" y="9870"/>
-                </a:cubicBezTo>
-                <a:lnTo>
-                  <a:pt x="7879" y="9586"/>
-                </a:lnTo>
-                <a:lnTo>
-                  <a:pt x="5005" y="9586"/>
-                </a:lnTo>
-                <a:lnTo>
-                  <a:pt x="2131" y="9586"/>
-                </a:lnTo>
-                <a:close/>
-                <a:moveTo>
-                  <a:pt x="7792" y="12506"/>
-                </a:moveTo>
-                <a:cubicBezTo>
-                  <a:pt x="7719" y="12506"/>
-                  <a:pt x="7693" y="12557"/>
-                  <a:pt x="7678" y="12731"/>
-                </a:cubicBezTo>
-                <a:cubicBezTo>
-                  <a:pt x="7668" y="12855"/>
-                  <a:pt x="7668" y="12970"/>
-                  <a:pt x="7678" y="12988"/>
-                </a:cubicBezTo>
-                <a:cubicBezTo>
-                  <a:pt x="7687" y="13005"/>
-                  <a:pt x="7824" y="13015"/>
-                  <a:pt x="7981" y="13011"/>
-                </a:cubicBezTo>
-                <a:cubicBezTo>
-                  <a:pt x="8219" y="13003"/>
-                  <a:pt x="8270" y="12980"/>
-                  <a:pt x="8286" y="12866"/>
-                </a:cubicBezTo>
-                <a:cubicBezTo>
-                  <a:pt x="8313" y="12685"/>
-                  <a:pt x="8400" y="12693"/>
-                  <a:pt x="8428" y="12880"/>
-                </a:cubicBezTo>
-                <a:cubicBezTo>
-                  <a:pt x="8446" y="13008"/>
-                  <a:pt x="8484" y="13030"/>
-                  <a:pt x="8690" y="13030"/>
-                </a:cubicBezTo>
-                <a:cubicBezTo>
-                  <a:pt x="8921" y="13030"/>
-                  <a:pt x="8930" y="13022"/>
-                  <a:pt x="8930" y="12836"/>
-                </a:cubicBezTo>
-                <a:cubicBezTo>
-                  <a:pt x="8930" y="12671"/>
-                  <a:pt x="8915" y="12647"/>
-                  <a:pt x="8830" y="12676"/>
-                </a:cubicBezTo>
-                <a:cubicBezTo>
-                  <a:pt x="8775" y="12695"/>
-                  <a:pt x="8719" y="12681"/>
-                  <a:pt x="8707" y="12645"/>
-                </a:cubicBezTo>
-                <a:cubicBezTo>
-                  <a:pt x="8694" y="12609"/>
-                  <a:pt x="8664" y="12601"/>
-                  <a:pt x="8639" y="12628"/>
-                </a:cubicBezTo>
-                <a:cubicBezTo>
-                  <a:pt x="8614" y="12656"/>
-                  <a:pt x="8522" y="12674"/>
-                  <a:pt x="8435" y="12668"/>
-                </a:cubicBezTo>
-                <a:cubicBezTo>
-                  <a:pt x="8348" y="12662"/>
-                  <a:pt x="8265" y="12692"/>
-                  <a:pt x="8250" y="12735"/>
-                </a:cubicBezTo>
-                <a:cubicBezTo>
-                  <a:pt x="8232" y="12787"/>
-                  <a:pt x="8203" y="12782"/>
-                  <a:pt x="8161" y="12720"/>
-                </a:cubicBezTo>
-                <a:cubicBezTo>
-                  <a:pt x="8111" y="12646"/>
-                  <a:pt x="8081" y="12647"/>
-                  <a:pt x="8015" y="12721"/>
-                </a:cubicBezTo>
-                <a:cubicBezTo>
-                  <a:pt x="7943" y="12802"/>
-                  <a:pt x="7929" y="12794"/>
-                  <a:pt x="7909" y="12660"/>
-                </a:cubicBezTo>
-                <a:cubicBezTo>
-                  <a:pt x="7895" y="12562"/>
-                  <a:pt x="7853" y="12506"/>
-                  <a:pt x="7792" y="12506"/>
-                </a:cubicBezTo>
-                <a:close/>
-                <a:moveTo>
-                  <a:pt x="10821" y="12652"/>
-                </a:moveTo>
-                <a:lnTo>
-                  <a:pt x="10434" y="12668"/>
-                </a:lnTo>
-                <a:cubicBezTo>
-                  <a:pt x="10222" y="12676"/>
-                  <a:pt x="10026" y="12712"/>
-                  <a:pt x="10000" y="12747"/>
-                </a:cubicBezTo>
-                <a:cubicBezTo>
-                  <a:pt x="9971" y="12785"/>
-                  <a:pt x="9940" y="12780"/>
-                  <a:pt x="9924" y="12733"/>
-                </a:cubicBezTo>
-                <a:cubicBezTo>
-                  <a:pt x="9889" y="12630"/>
-                  <a:pt x="9706" y="12633"/>
-                  <a:pt x="9670" y="12737"/>
-                </a:cubicBezTo>
-                <a:cubicBezTo>
-                  <a:pt x="9649" y="12796"/>
-                  <a:pt x="9629" y="12796"/>
-                  <a:pt x="9596" y="12737"/>
-                </a:cubicBezTo>
-                <a:cubicBezTo>
-                  <a:pt x="9571" y="12692"/>
-                  <a:pt x="9460" y="12655"/>
-                  <a:pt x="9350" y="12655"/>
-                </a:cubicBezTo>
-                <a:cubicBezTo>
-                  <a:pt x="9164" y="12655"/>
-                  <a:pt x="9150" y="12669"/>
-                  <a:pt x="9150" y="12842"/>
-                </a:cubicBezTo>
-                <a:cubicBezTo>
-                  <a:pt x="9150" y="12999"/>
-                  <a:pt x="9170" y="13030"/>
-                  <a:pt x="9270" y="13030"/>
-                </a:cubicBezTo>
-                <a:cubicBezTo>
-                  <a:pt x="9356" y="13030"/>
-                  <a:pt x="9397" y="12986"/>
-                  <a:pt x="9413" y="12880"/>
-                </a:cubicBezTo>
-                <a:cubicBezTo>
-                  <a:pt x="9441" y="12688"/>
-                  <a:pt x="9527" y="12686"/>
-                  <a:pt x="9555" y="12878"/>
-                </a:cubicBezTo>
-                <a:cubicBezTo>
-                  <a:pt x="9574" y="13006"/>
-                  <a:pt x="9612" y="13026"/>
-                  <a:pt x="9833" y="13021"/>
-                </a:cubicBezTo>
-                <a:cubicBezTo>
-                  <a:pt x="9974" y="13018"/>
-                  <a:pt x="10111" y="12982"/>
-                  <a:pt x="10138" y="12943"/>
-                </a:cubicBezTo>
-                <a:cubicBezTo>
-                  <a:pt x="10169" y="12898"/>
-                  <a:pt x="10197" y="12901"/>
-                  <a:pt x="10214" y="12951"/>
-                </a:cubicBezTo>
-                <a:cubicBezTo>
-                  <a:pt x="10257" y="13075"/>
-                  <a:pt x="10529" y="13050"/>
-                  <a:pt x="10529" y="12922"/>
-                </a:cubicBezTo>
-                <a:cubicBezTo>
-                  <a:pt x="10529" y="12743"/>
-                  <a:pt x="10616" y="12704"/>
-                  <a:pt x="10641" y="12873"/>
-                </a:cubicBezTo>
-                <a:cubicBezTo>
-                  <a:pt x="10675" y="13106"/>
-                  <a:pt x="10821" y="13080"/>
-                  <a:pt x="10821" y="12841"/>
-                </a:cubicBezTo>
-                <a:lnTo>
-                  <a:pt x="10821" y="12652"/>
-                </a:lnTo>
-                <a:close/>
-                <a:moveTo>
-                  <a:pt x="16399" y="12721"/>
-                </a:moveTo>
-                <a:lnTo>
-                  <a:pt x="16378" y="12969"/>
-                </a:lnTo>
-                <a:lnTo>
-                  <a:pt x="16357" y="13217"/>
-                </a:lnTo>
-                <a:lnTo>
-                  <a:pt x="9076" y="13217"/>
-                </a:lnTo>
-                <a:lnTo>
-                  <a:pt x="1797" y="13217"/>
-                </a:lnTo>
-                <a:lnTo>
-                  <a:pt x="1797" y="14251"/>
-                </a:lnTo>
-                <a:cubicBezTo>
-                  <a:pt x="1797" y="14819"/>
-                  <a:pt x="1813" y="15267"/>
-                  <a:pt x="1833" y="15245"/>
-                </a:cubicBezTo>
-                <a:cubicBezTo>
-                  <a:pt x="1852" y="15224"/>
-                  <a:pt x="1913" y="15292"/>
-                  <a:pt x="1968" y="15397"/>
-                </a:cubicBezTo>
-                <a:lnTo>
-                  <a:pt x="2068" y="15589"/>
-                </a:lnTo>
-                <a:lnTo>
-                  <a:pt x="2089" y="15339"/>
-                </a:lnTo>
-                <a:lnTo>
-                  <a:pt x="2110" y="15088"/>
-                </a:lnTo>
-                <a:lnTo>
-                  <a:pt x="9390" y="15088"/>
-                </a:lnTo>
-                <a:lnTo>
-                  <a:pt x="16670" y="15088"/>
-                </a:lnTo>
-                <a:lnTo>
-                  <a:pt x="16670" y="14060"/>
-                </a:lnTo>
-                <a:cubicBezTo>
-                  <a:pt x="16670" y="13493"/>
-                  <a:pt x="16656" y="13038"/>
-                  <a:pt x="16638" y="13049"/>
-                </a:cubicBezTo>
-                <a:cubicBezTo>
-                  <a:pt x="16620" y="13059"/>
-                  <a:pt x="16559" y="12990"/>
-                  <a:pt x="16502" y="12894"/>
-                </a:cubicBezTo>
-                <a:lnTo>
-                  <a:pt x="16399" y="12721"/>
-                </a:lnTo>
-                <a:close/>
-                <a:moveTo>
-                  <a:pt x="2131" y="15875"/>
-                </a:moveTo>
-                <a:lnTo>
-                  <a:pt x="2131" y="16849"/>
-                </a:lnTo>
-                <a:lnTo>
-                  <a:pt x="2131" y="17822"/>
-                </a:lnTo>
-                <a:lnTo>
-                  <a:pt x="4846" y="17822"/>
-                </a:lnTo>
-                <a:lnTo>
-                  <a:pt x="7562" y="17822"/>
-                </a:lnTo>
-                <a:lnTo>
-                  <a:pt x="7562" y="17169"/>
-                </a:lnTo>
-                <a:lnTo>
-                  <a:pt x="7562" y="16517"/>
-                </a:lnTo>
-                <a:lnTo>
-                  <a:pt x="7386" y="16196"/>
-                </a:lnTo>
-                <a:lnTo>
-                  <a:pt x="7211" y="15875"/>
-                </a:lnTo>
-                <a:lnTo>
-                  <a:pt x="4671" y="15875"/>
-                </a:lnTo>
-                <a:lnTo>
-                  <a:pt x="2131" y="15875"/>
-                </a:lnTo>
-                <a:close/>
-                <a:moveTo>
-                  <a:pt x="14174" y="18628"/>
-                </a:moveTo>
-                <a:lnTo>
-                  <a:pt x="11698" y="18648"/>
-                </a:lnTo>
-                <a:lnTo>
-                  <a:pt x="11698" y="20069"/>
-                </a:lnTo>
-                <a:lnTo>
-                  <a:pt x="11698" y="21490"/>
-                </a:lnTo>
-                <a:lnTo>
-                  <a:pt x="21600" y="21490"/>
-                </a:lnTo>
-                <a:lnTo>
-                  <a:pt x="21600" y="20069"/>
-                </a:lnTo>
-                <a:lnTo>
-                  <a:pt x="21600" y="18648"/>
-                </a:lnTo>
-                <a:lnTo>
-                  <a:pt x="19125" y="18628"/>
-                </a:lnTo>
-                <a:cubicBezTo>
-                  <a:pt x="17763" y="18617"/>
-                  <a:pt x="15536" y="18617"/>
-                  <a:pt x="14174" y="18628"/>
-                </a:cubicBezTo>
-                <a:close/>
-                <a:moveTo>
-                  <a:pt x="888" y="18629"/>
-                </a:moveTo>
-                <a:lnTo>
-                  <a:pt x="0" y="18650"/>
-                </a:lnTo>
-                <a:lnTo>
-                  <a:pt x="0" y="20070"/>
-                </a:lnTo>
-                <a:lnTo>
-                  <a:pt x="0" y="21490"/>
-                </a:lnTo>
-                <a:lnTo>
-                  <a:pt x="1755" y="21490"/>
-                </a:lnTo>
-                <a:lnTo>
-                  <a:pt x="3510" y="21490"/>
-                </a:lnTo>
-                <a:lnTo>
-                  <a:pt x="3510" y="20070"/>
-                </a:lnTo>
-                <a:lnTo>
-                  <a:pt x="3510" y="18650"/>
-                </a:lnTo>
-                <a:lnTo>
-                  <a:pt x="2642" y="18629"/>
-                </a:lnTo>
-                <a:cubicBezTo>
-                  <a:pt x="2165" y="18617"/>
-                  <a:pt x="1376" y="18617"/>
-                  <a:pt x="888" y="18629"/>
-                </a:cubicBezTo>
-                <a:close/>
-                <a:moveTo>
-                  <a:pt x="7103" y="18629"/>
-                </a:moveTo>
-                <a:lnTo>
-                  <a:pt x="5682" y="18649"/>
-                </a:lnTo>
-                <a:lnTo>
-                  <a:pt x="5682" y="20069"/>
-                </a:lnTo>
-                <a:lnTo>
-                  <a:pt x="5682" y="21490"/>
-                </a:lnTo>
-                <a:lnTo>
-                  <a:pt x="11364" y="21490"/>
-                </a:lnTo>
-                <a:lnTo>
-                  <a:pt x="11364" y="20069"/>
-                </a:lnTo>
-                <a:lnTo>
-                  <a:pt x="11364" y="18649"/>
-                </a:lnTo>
-                <a:lnTo>
-                  <a:pt x="9943" y="18629"/>
-                </a:lnTo>
-                <a:cubicBezTo>
-                  <a:pt x="9162" y="18618"/>
-                  <a:pt x="7884" y="18618"/>
-                  <a:pt x="7103" y="18629"/>
-                </a:cubicBezTo>
-                <a:close/>
-              </a:path>
-            </a:pathLst>
-          </a:custGeom>
+          </a:prstGeom>
           <a:ln w="12700">
             <a:miter lim="400000"/>
           </a:ln>
         </p:spPr>
       </p:pic>
-      <p:sp>
-        <p:nvSpPr>
-          <p:cNvPr id="156" name="Shape 156"/>
-          <p:cNvSpPr/>
-          <p:nvPr/>
-        </p:nvSpPr>
-        <p:spPr>
-          <a:xfrm>
-            <a:off x="3767965" y="8477683"/>
-            <a:ext cx="7067551" cy="863601"/>
-          </a:xfrm>
-          <a:prstGeom prst="rect">
-            <a:avLst/>
-          </a:prstGeom>
-          <a:ln w="12700">
-            <a:miter lim="400000"/>
-          </a:ln>
-          <a:extLst>
-            <a:ext uri="{C572A759-6A51-4108-AA02-DFA0A04FC94B}">
-              <ma14:wrappingTextBoxFlag xmlns:ma14="http://schemas.microsoft.com/office/mac/drawingml/2011/main" val="1"/>
-            </a:ext>
-          </a:extLst>
-        </p:spPr>
-        <p:txBody>
-          <a:bodyPr wrap="none" lIns="50800" tIns="50800" rIns="50800" bIns="50800" anchor="ctr">
-            <a:spAutoFit/>
-          </a:bodyPr>
-          <a:lstStyle>
-            <a:lvl1pPr>
-              <a:defRPr sz="5000"/>
-            </a:lvl1pPr>
-          </a:lstStyle>
-          <a:p>
-            <a:pPr/>
-            <a:r>
-              <a:t>Based on 17,000 Entries</a:t>
-            </a:r>
-          </a:p>
-        </p:txBody>
-      </p:sp>
-      <p:sp>
-        <p:nvSpPr>
-          <p:cNvPr id="157" name="Shape 157"/>
-          <p:cNvSpPr/>
-          <p:nvPr/>
-        </p:nvSpPr>
-        <p:spPr>
-          <a:xfrm flipV="1">
-            <a:off x="7703477" y="7902412"/>
-            <a:ext cx="1426306" cy="461652"/>
-          </a:xfrm>
-          <a:prstGeom prst="line">
-            <a:avLst/>
-          </a:prstGeom>
-          <a:ln w="38100">
-            <a:solidFill>
-              <a:srgbClr val="000000"/>
-            </a:solidFill>
-            <a:miter lim="400000"/>
-            <a:tailEnd type="triangle"/>
-          </a:ln>
-        </p:spPr>
-        <p:txBody>
-          <a:bodyPr lIns="50800" tIns="50800" rIns="50800" bIns="50800" anchor="ctr"/>
-          <a:lstStyle/>
-          <a:p>
-            <a:pPr>
-              <a:defRPr sz="2400"/>
-            </a:pPr>
-          </a:p>
-        </p:txBody>
-      </p:sp>
     </p:spTree>
   </p:cSld>
   <p:clrMapOvr>
